--- a/API_REST/soutenance.pptx
+++ b/API_REST/soutenance.pptx
@@ -842,7 +842,7 @@
             <a:fld id="{08B9EBBA-996F-894A-B54A-D6246ED52CEA}" type="datetimeFigureOut">
               <a:rPr lang="en-US" smtClean="0"/>
               <a:pPr/>
-              <a:t>5/3/2017</a:t>
+              <a:t>5/4/2017</a:t>
             </a:fld>
             <a:endParaRPr lang="en-US" dirty="0"/>
           </a:p>
@@ -1095,7 +1095,7 @@
             <a:fld id="{09B482E8-6E0E-1B4F-B1FD-C69DB9E858D9}" type="datetimeFigureOut">
               <a:rPr lang="en-US" smtClean="0"/>
               <a:pPr/>
-              <a:t>5/3/2017</a:t>
+              <a:t>5/4/2017</a:t>
             </a:fld>
             <a:endParaRPr lang="en-US" dirty="0"/>
           </a:p>
@@ -1412,7 +1412,7 @@
             <a:fld id="{09B482E8-6E0E-1B4F-B1FD-C69DB9E858D9}" type="datetimeFigureOut">
               <a:rPr lang="en-US" smtClean="0"/>
               <a:pPr/>
-              <a:t>5/3/2017</a:t>
+              <a:t>5/4/2017</a:t>
             </a:fld>
             <a:endParaRPr lang="en-US" dirty="0"/>
           </a:p>
@@ -1756,7 +1756,7 @@
             <a:fld id="{09B482E8-6E0E-1B4F-B1FD-C69DB9E858D9}" type="datetimeFigureOut">
               <a:rPr lang="en-US" smtClean="0"/>
               <a:pPr/>
-              <a:t>5/3/2017</a:t>
+              <a:t>5/4/2017</a:t>
             </a:fld>
             <a:endParaRPr lang="en-US" dirty="0"/>
           </a:p>
@@ -2073,7 +2073,7 @@
             <a:fld id="{09B482E8-6E0E-1B4F-B1FD-C69DB9E858D9}" type="datetimeFigureOut">
               <a:rPr lang="en-US" smtClean="0"/>
               <a:pPr/>
-              <a:t>5/3/2017</a:t>
+              <a:t>5/4/2017</a:t>
             </a:fld>
             <a:endParaRPr lang="en-US" dirty="0"/>
           </a:p>
@@ -2469,7 +2469,7 @@
             <a:fld id="{09B482E8-6E0E-1B4F-B1FD-C69DB9E858D9}" type="datetimeFigureOut">
               <a:rPr lang="en-US" smtClean="0"/>
               <a:pPr/>
-              <a:t>5/3/2017</a:t>
+              <a:t>5/4/2017</a:t>
             </a:fld>
             <a:endParaRPr lang="en-US" dirty="0"/>
           </a:p>
@@ -2642,7 +2642,7 @@
             <a:fld id="{C6C52C72-DE31-F449-A4ED-4C594FD91407}" type="datetimeFigureOut">
               <a:rPr lang="en-US" smtClean="0"/>
               <a:pPr/>
-              <a:t>5/3/2017</a:t>
+              <a:t>5/4/2017</a:t>
             </a:fld>
             <a:endParaRPr lang="en-US" dirty="0"/>
           </a:p>
@@ -2824,7 +2824,7 @@
             <a:fld id="{ED62726E-379B-B349-9EED-81ED093FA806}" type="datetimeFigureOut">
               <a:rPr lang="en-US" smtClean="0"/>
               <a:pPr/>
-              <a:t>5/3/2017</a:t>
+              <a:t>5/4/2017</a:t>
             </a:fld>
             <a:endParaRPr lang="en-US" dirty="0"/>
           </a:p>
@@ -3002,7 +3002,7 @@
             <a:fld id="{9B3A1323-8D79-1946-B0D7-40001CF92E9D}" type="datetimeFigureOut">
               <a:rPr lang="en-US" smtClean="0"/>
               <a:pPr/>
-              <a:t>5/3/2017</a:t>
+              <a:t>5/4/2017</a:t>
             </a:fld>
             <a:endParaRPr lang="en-US" dirty="0"/>
           </a:p>
@@ -3251,7 +3251,7 @@
             <a:fld id="{8DFA1846-DA80-1C48-A609-854EA85C59AD}" type="datetimeFigureOut">
               <a:rPr lang="en-US" smtClean="0"/>
               <a:pPr/>
-              <a:t>5/3/2017</a:t>
+              <a:t>5/4/2017</a:t>
             </a:fld>
             <a:endParaRPr lang="en-US" dirty="0"/>
           </a:p>
@@ -3485,7 +3485,7 @@
             <a:fld id="{57302355-E14B-8545-A8F8-0FE83CC9D524}" type="datetimeFigureOut">
               <a:rPr lang="en-US" smtClean="0"/>
               <a:pPr/>
-              <a:t>5/3/2017</a:t>
+              <a:t>5/4/2017</a:t>
             </a:fld>
             <a:endParaRPr lang="en-US" dirty="0"/>
           </a:p>
@@ -3861,7 +3861,7 @@
             <a:fld id="{02640F58-564D-2B4F-AE67-E407BA4FCF45}" type="datetimeFigureOut">
               <a:rPr lang="en-US" smtClean="0"/>
               <a:pPr/>
-              <a:t>5/3/2017</a:t>
+              <a:t>5/4/2017</a:t>
             </a:fld>
             <a:endParaRPr lang="en-US" dirty="0"/>
           </a:p>
@@ -3986,7 +3986,7 @@
             <a:fld id="{F13A34C8-038E-2045-AF43-DF7DBB8E0E9E}" type="datetimeFigureOut">
               <a:rPr lang="en-US" smtClean="0"/>
               <a:pPr/>
-              <a:t>5/3/2017</a:t>
+              <a:t>5/4/2017</a:t>
             </a:fld>
             <a:endParaRPr lang="en-US" dirty="0"/>
           </a:p>
@@ -4083,7 +4083,7 @@
             <a:fld id="{8818C68F-D26B-8F47-958C-23B49CF8A634}" type="datetimeFigureOut">
               <a:rPr lang="en-US" smtClean="0"/>
               <a:pPr/>
-              <a:t>5/3/2017</a:t>
+              <a:t>5/4/2017</a:t>
             </a:fld>
             <a:endParaRPr lang="en-US" dirty="0"/>
           </a:p>
@@ -4340,7 +4340,7 @@
             <a:fld id="{D0DF5E60-9974-AC48-9591-99C2BB44B7CF}" type="datetimeFigureOut">
               <a:rPr lang="en-US" smtClean="0"/>
               <a:pPr/>
-              <a:t>5/3/2017</a:t>
+              <a:t>5/4/2017</a:t>
             </a:fld>
             <a:endParaRPr lang="en-US" dirty="0"/>
           </a:p>
@@ -4605,7 +4605,7 @@
             <a:fld id="{18C79C5D-2A6F-F04D-97DA-BEF2467B64E4}" type="datetimeFigureOut">
               <a:rPr lang="en-US" smtClean="0"/>
               <a:pPr/>
-              <a:t>5/3/2017</a:t>
+              <a:t>5/4/2017</a:t>
             </a:fld>
             <a:endParaRPr lang="en-US" dirty="0"/>
           </a:p>
@@ -5350,7 +5350,7 @@
             <a:fld id="{09B482E8-6E0E-1B4F-B1FD-C69DB9E858D9}" type="datetimeFigureOut">
               <a:rPr lang="en-US" smtClean="0"/>
               <a:pPr/>
-              <a:t>5/3/2017</a:t>
+              <a:t>5/4/2017</a:t>
             </a:fld>
             <a:endParaRPr lang="en-US" dirty="0"/>
           </a:p>
@@ -8310,11 +8310,7 @@
           <a:p>
             <a:r>
               <a:rPr lang="fr-FR" dirty="0" smtClean="0"/>
-              <a:t>UML </a:t>
-            </a:r>
-            <a:r>
-              <a:rPr lang="fr-FR" dirty="0" smtClean="0"/>
-              <a:t>général (1/1)</a:t>
+              <a:t>UML général (1/1)</a:t>
             </a:r>
             <a:endParaRPr lang="fr-FR" dirty="0"/>
           </a:p>
@@ -8370,7 +8366,12 @@
             <p:ph type="title"/>
           </p:nvPr>
         </p:nvSpPr>
-        <p:spPr/>
+        <p:spPr>
+          <a:xfrm>
+            <a:off x="677334" y="609600"/>
+            <a:ext cx="8596668" cy="1029419"/>
+          </a:xfrm>
+        </p:spPr>
         <p:txBody>
           <a:bodyPr/>
           <a:lstStyle/>
@@ -8395,7 +8396,7 @@
         </p:nvSpPr>
         <p:spPr>
           <a:xfrm>
-            <a:off x="677334" y="1729269"/>
+            <a:off x="677334" y="1539488"/>
             <a:ext cx="8596668" cy="3880773"/>
           </a:xfrm>
         </p:spPr>
@@ -8406,12 +8407,38 @@
           <a:lstStyle/>
           <a:p>
             <a:r>
+              <a:rPr lang="fr-FR" sz="2800" smtClean="0">
+                <a:solidFill>
+                  <a:srgbClr val="90C226"/>
+                </a:solidFill>
+              </a:rPr>
+              <a:t>Politique </a:t>
+            </a:r>
+            <a:r>
               <a:rPr lang="fr-FR" sz="2800" dirty="0" smtClean="0">
                 <a:solidFill>
                   <a:srgbClr val="90C226"/>
                 </a:solidFill>
               </a:rPr>
-              <a:t>Basic authentification</a:t>
+              <a:t>de mot de passe</a:t>
+            </a:r>
+          </a:p>
+          <a:p>
+            <a:r>
+              <a:rPr lang="fr-FR" sz="2800" dirty="0" smtClean="0">
+                <a:solidFill>
+                  <a:srgbClr val="90C226"/>
+                </a:solidFill>
+              </a:rPr>
+              <a:t>Basic </a:t>
+            </a:r>
+            <a:r>
+              <a:rPr lang="fr-FR" sz="2800" dirty="0" smtClean="0">
+                <a:solidFill>
+                  <a:srgbClr val="90C226"/>
+                </a:solidFill>
+              </a:rPr>
+              <a:t>authentification</a:t>
             </a:r>
           </a:p>
           <a:p>

--- a/API_REST/soutenance.pptx
+++ b/API_REST/soutenance.pptx
@@ -7,10 +7,10 @@
   <p:sldIdLst>
     <p:sldId id="256" r:id="rId2"/>
     <p:sldId id="261" r:id="rId3"/>
-    <p:sldId id="260" r:id="rId4"/>
-    <p:sldId id="259" r:id="rId5"/>
-    <p:sldId id="258" r:id="rId6"/>
-    <p:sldId id="257" r:id="rId7"/>
+    <p:sldId id="257" r:id="rId4"/>
+    <p:sldId id="260" r:id="rId5"/>
+    <p:sldId id="259" r:id="rId6"/>
+    <p:sldId id="258" r:id="rId7"/>
     <p:sldId id="262" r:id="rId8"/>
     <p:sldId id="263" r:id="rId9"/>
   </p:sldIdLst>
@@ -842,7 +842,7 @@
             <a:fld id="{08B9EBBA-996F-894A-B54A-D6246ED52CEA}" type="datetimeFigureOut">
               <a:rPr lang="en-US" smtClean="0"/>
               <a:pPr/>
-              <a:t>5/4/2017</a:t>
+              <a:t>5/5/2017</a:t>
             </a:fld>
             <a:endParaRPr lang="en-US" dirty="0"/>
           </a:p>
@@ -901,6 +901,9 @@
   <p:clrMapOvr>
     <a:masterClrMapping/>
   </p:clrMapOvr>
+  <p:transition>
+    <p:cover/>
+  </p:transition>
 </p:sldLayout>
 </file>
 
@@ -1095,7 +1098,7 @@
             <a:fld id="{09B482E8-6E0E-1B4F-B1FD-C69DB9E858D9}" type="datetimeFigureOut">
               <a:rPr lang="en-US" smtClean="0"/>
               <a:pPr/>
-              <a:t>5/4/2017</a:t>
+              <a:t>5/5/2017</a:t>
             </a:fld>
             <a:endParaRPr lang="en-US" dirty="0"/>
           </a:p>
@@ -1154,6 +1157,9 @@
   <p:clrMapOvr>
     <a:masterClrMapping/>
   </p:clrMapOvr>
+  <p:transition>
+    <p:cover/>
+  </p:transition>
   <p:hf sldNum="0" hdr="0" ftr="0" dt="0"/>
 </p:sldLayout>
 </file>
@@ -1412,7 +1418,7 @@
             <a:fld id="{09B482E8-6E0E-1B4F-B1FD-C69DB9E858D9}" type="datetimeFigureOut">
               <a:rPr lang="en-US" smtClean="0"/>
               <a:pPr/>
-              <a:t>5/4/2017</a:t>
+              <a:t>5/5/2017</a:t>
             </a:fld>
             <a:endParaRPr lang="en-US" dirty="0"/>
           </a:p>
@@ -1561,6 +1567,9 @@
   <p:clrMapOvr>
     <a:masterClrMapping/>
   </p:clrMapOvr>
+  <p:transition>
+    <p:cover/>
+  </p:transition>
   <p:hf sldNum="0" hdr="0" ftr="0" dt="0"/>
 </p:sldLayout>
 </file>
@@ -1756,7 +1765,7 @@
             <a:fld id="{09B482E8-6E0E-1B4F-B1FD-C69DB9E858D9}" type="datetimeFigureOut">
               <a:rPr lang="en-US" smtClean="0"/>
               <a:pPr/>
-              <a:t>5/4/2017</a:t>
+              <a:t>5/5/2017</a:t>
             </a:fld>
             <a:endParaRPr lang="en-US" dirty="0"/>
           </a:p>
@@ -1815,6 +1824,9 @@
   <p:clrMapOvr>
     <a:masterClrMapping/>
   </p:clrMapOvr>
+  <p:transition>
+    <p:cover/>
+  </p:transition>
   <p:hf sldNum="0" hdr="0" ftr="0" dt="0"/>
 </p:sldLayout>
 </file>
@@ -2073,7 +2085,7 @@
             <a:fld id="{09B482E8-6E0E-1B4F-B1FD-C69DB9E858D9}" type="datetimeFigureOut">
               <a:rPr lang="en-US" smtClean="0"/>
               <a:pPr/>
-              <a:t>5/4/2017</a:t>
+              <a:t>5/5/2017</a:t>
             </a:fld>
             <a:endParaRPr lang="en-US" dirty="0"/>
           </a:p>
@@ -2214,6 +2226,9 @@
   <p:clrMapOvr>
     <a:masterClrMapping/>
   </p:clrMapOvr>
+  <p:transition>
+    <p:cover/>
+  </p:transition>
   <p:hf sldNum="0" hdr="0" ftr="0" dt="0"/>
 </p:sldLayout>
 </file>
@@ -2469,7 +2484,7 @@
             <a:fld id="{09B482E8-6E0E-1B4F-B1FD-C69DB9E858D9}" type="datetimeFigureOut">
               <a:rPr lang="en-US" smtClean="0"/>
               <a:pPr/>
-              <a:t>5/4/2017</a:t>
+              <a:t>5/5/2017</a:t>
             </a:fld>
             <a:endParaRPr lang="en-US" dirty="0"/>
           </a:p>
@@ -2528,6 +2543,9 @@
   <p:clrMapOvr>
     <a:masterClrMapping/>
   </p:clrMapOvr>
+  <p:transition>
+    <p:cover/>
+  </p:transition>
   <p:hf sldNum="0" hdr="0" ftr="0" dt="0"/>
 </p:sldLayout>
 </file>
@@ -2642,7 +2660,7 @@
             <a:fld id="{C6C52C72-DE31-F449-A4ED-4C594FD91407}" type="datetimeFigureOut">
               <a:rPr lang="en-US" smtClean="0"/>
               <a:pPr/>
-              <a:t>5/4/2017</a:t>
+              <a:t>5/5/2017</a:t>
             </a:fld>
             <a:endParaRPr lang="en-US" dirty="0"/>
           </a:p>
@@ -2701,6 +2719,9 @@
   <p:clrMapOvr>
     <a:masterClrMapping/>
   </p:clrMapOvr>
+  <p:transition>
+    <p:cover/>
+  </p:transition>
 </p:sldLayout>
 </file>
 
@@ -2824,7 +2845,7 @@
             <a:fld id="{ED62726E-379B-B349-9EED-81ED093FA806}" type="datetimeFigureOut">
               <a:rPr lang="en-US" smtClean="0"/>
               <a:pPr/>
-              <a:t>5/4/2017</a:t>
+              <a:t>5/5/2017</a:t>
             </a:fld>
             <a:endParaRPr lang="en-US" dirty="0"/>
           </a:p>
@@ -2883,6 +2904,9 @@
   <p:clrMapOvr>
     <a:masterClrMapping/>
   </p:clrMapOvr>
+  <p:transition>
+    <p:cover/>
+  </p:transition>
 </p:sldLayout>
 </file>
 
@@ -3002,7 +3026,7 @@
             <a:fld id="{9B3A1323-8D79-1946-B0D7-40001CF92E9D}" type="datetimeFigureOut">
               <a:rPr lang="en-US" smtClean="0"/>
               <a:pPr/>
-              <a:t>5/4/2017</a:t>
+              <a:t>5/5/2017</a:t>
             </a:fld>
             <a:endParaRPr lang="en-US" dirty="0"/>
           </a:p>
@@ -3061,6 +3085,9 @@
   <p:clrMapOvr>
     <a:masterClrMapping/>
   </p:clrMapOvr>
+  <p:transition>
+    <p:cover/>
+  </p:transition>
 </p:sldLayout>
 </file>
 
@@ -3251,7 +3278,7 @@
             <a:fld id="{8DFA1846-DA80-1C48-A609-854EA85C59AD}" type="datetimeFigureOut">
               <a:rPr lang="en-US" smtClean="0"/>
               <a:pPr/>
-              <a:t>5/4/2017</a:t>
+              <a:t>5/5/2017</a:t>
             </a:fld>
             <a:endParaRPr lang="en-US" dirty="0"/>
           </a:p>
@@ -3310,6 +3337,9 @@
   <p:clrMapOvr>
     <a:masterClrMapping/>
   </p:clrMapOvr>
+  <p:transition>
+    <p:cover/>
+  </p:transition>
 </p:sldLayout>
 </file>
 
@@ -3485,7 +3515,7 @@
             <a:fld id="{57302355-E14B-8545-A8F8-0FE83CC9D524}" type="datetimeFigureOut">
               <a:rPr lang="en-US" smtClean="0"/>
               <a:pPr/>
-              <a:t>5/4/2017</a:t>
+              <a:t>5/5/2017</a:t>
             </a:fld>
             <a:endParaRPr lang="en-US" dirty="0"/>
           </a:p>
@@ -3544,6 +3574,9 @@
   <p:clrMapOvr>
     <a:masterClrMapping/>
   </p:clrMapOvr>
+  <p:transition>
+    <p:cover/>
+  </p:transition>
 </p:sldLayout>
 </file>
 
@@ -3861,7 +3894,7 @@
             <a:fld id="{02640F58-564D-2B4F-AE67-E407BA4FCF45}" type="datetimeFigureOut">
               <a:rPr lang="en-US" smtClean="0"/>
               <a:pPr/>
-              <a:t>5/4/2017</a:t>
+              <a:t>5/5/2017</a:t>
             </a:fld>
             <a:endParaRPr lang="en-US" dirty="0"/>
           </a:p>
@@ -3920,6 +3953,9 @@
   <p:clrMapOvr>
     <a:masterClrMapping/>
   </p:clrMapOvr>
+  <p:transition>
+    <p:cover/>
+  </p:transition>
 </p:sldLayout>
 </file>
 
@@ -3986,7 +4022,7 @@
             <a:fld id="{F13A34C8-038E-2045-AF43-DF7DBB8E0E9E}" type="datetimeFigureOut">
               <a:rPr lang="en-US" smtClean="0"/>
               <a:pPr/>
-              <a:t>5/4/2017</a:t>
+              <a:t>5/5/2017</a:t>
             </a:fld>
             <a:endParaRPr lang="en-US" dirty="0"/>
           </a:p>
@@ -4045,6 +4081,9 @@
   <p:clrMapOvr>
     <a:masterClrMapping/>
   </p:clrMapOvr>
+  <p:transition>
+    <p:cover/>
+  </p:transition>
 </p:sldLayout>
 </file>
 
@@ -4083,7 +4122,7 @@
             <a:fld id="{8818C68F-D26B-8F47-958C-23B49CF8A634}" type="datetimeFigureOut">
               <a:rPr lang="en-US" smtClean="0"/>
               <a:pPr/>
-              <a:t>5/4/2017</a:t>
+              <a:t>5/5/2017</a:t>
             </a:fld>
             <a:endParaRPr lang="en-US" dirty="0"/>
           </a:p>
@@ -4142,6 +4181,9 @@
   <p:clrMapOvr>
     <a:masterClrMapping/>
   </p:clrMapOvr>
+  <p:transition>
+    <p:cover/>
+  </p:transition>
 </p:sldLayout>
 </file>
 
@@ -4340,7 +4382,7 @@
             <a:fld id="{D0DF5E60-9974-AC48-9591-99C2BB44B7CF}" type="datetimeFigureOut">
               <a:rPr lang="en-US" smtClean="0"/>
               <a:pPr/>
-              <a:t>5/4/2017</a:t>
+              <a:t>5/5/2017</a:t>
             </a:fld>
             <a:endParaRPr lang="en-US" dirty="0"/>
           </a:p>
@@ -4399,6 +4441,9 @@
   <p:clrMapOvr>
     <a:masterClrMapping/>
   </p:clrMapOvr>
+  <p:transition>
+    <p:cover/>
+  </p:transition>
 </p:sldLayout>
 </file>
 
@@ -4605,7 +4650,7 @@
             <a:fld id="{18C79C5D-2A6F-F04D-97DA-BEF2467B64E4}" type="datetimeFigureOut">
               <a:rPr lang="en-US" smtClean="0"/>
               <a:pPr/>
-              <a:t>5/4/2017</a:t>
+              <a:t>5/5/2017</a:t>
             </a:fld>
             <a:endParaRPr lang="en-US" dirty="0"/>
           </a:p>
@@ -4664,6 +4709,9 @@
   <p:clrMapOvr>
     <a:masterClrMapping/>
   </p:clrMapOvr>
+  <p:transition>
+    <p:cover/>
+  </p:transition>
 </p:sldLayout>
 </file>
 
@@ -5350,7 +5398,7 @@
             <a:fld id="{09B482E8-6E0E-1B4F-B1FD-C69DB9E858D9}" type="datetimeFigureOut">
               <a:rPr lang="en-US" smtClean="0"/>
               <a:pPr/>
-              <a:t>5/4/2017</a:t>
+              <a:t>5/5/2017</a:t>
             </a:fld>
             <a:endParaRPr lang="en-US" dirty="0"/>
           </a:p>
@@ -5459,6 +5507,9 @@
     <p:sldLayoutId id="2147483694" r:id="rId15"/>
     <p:sldLayoutId id="2147483695" r:id="rId16"/>
   </p:sldLayoutIdLst>
+  <p:transition>
+    <p:cover/>
+  </p:transition>
   <p:hf sldNum="0" hdr="0" ftr="0" dt="0"/>
   <p:txStyles>
     <p:titleStyle>
@@ -6232,7 +6283,7 @@
   <p:clrMapOvr>
     <a:masterClrMapping/>
   </p:clrMapOvr>
-  <p:transition spd="slow">
+  <p:transition>
     <p:cover/>
   </p:transition>
   <p:timing>
@@ -6365,7 +6416,7 @@
   <p:clrMapOvr>
     <a:masterClrMapping/>
   </p:clrMapOvr>
-  <p:transition spd="slow">
+  <p:transition>
     <p:cover/>
   </p:transition>
   <p:timing>
@@ -6379,6 +6430,489 @@
 </file>
 
 <file path=ppt/slides/slide3.xml><?xml version="1.0" encoding="utf-8"?>
+<p:sld xmlns:a="http://schemas.openxmlformats.org/drawingml/2006/main" xmlns:r="http://schemas.openxmlformats.org/officeDocument/2006/relationships" xmlns:p="http://schemas.openxmlformats.org/presentationml/2006/main">
+  <p:cSld>
+    <p:spTree>
+      <p:nvGrpSpPr>
+        <p:cNvPr id="1" name=""/>
+        <p:cNvGrpSpPr/>
+        <p:nvPr/>
+      </p:nvGrpSpPr>
+      <p:grpSpPr>
+        <a:xfrm>
+          <a:off x="0" y="0"/>
+          <a:ext cx="0" cy="0"/>
+          <a:chOff x="0" y="0"/>
+          <a:chExt cx="0" cy="0"/>
+        </a:xfrm>
+      </p:grpSpPr>
+      <p:sp>
+        <p:nvSpPr>
+          <p:cNvPr id="2" name="Rectangle 1"/>
+          <p:cNvSpPr/>
+          <p:nvPr/>
+        </p:nvSpPr>
+        <p:spPr>
+          <a:xfrm>
+            <a:off x="-69012" y="0"/>
+            <a:ext cx="12261011" cy="6858000"/>
+          </a:xfrm>
+          <a:prstGeom prst="rect">
+            <a:avLst/>
+          </a:prstGeom>
+          <a:solidFill>
+            <a:schemeClr val="bg1"/>
+          </a:solidFill>
+        </p:spPr>
+        <p:style>
+          <a:lnRef idx="2">
+            <a:schemeClr val="accent1">
+              <a:shade val="50000"/>
+            </a:schemeClr>
+          </a:lnRef>
+          <a:fillRef idx="1">
+            <a:schemeClr val="accent1"/>
+          </a:fillRef>
+          <a:effectRef idx="0">
+            <a:schemeClr val="accent1"/>
+          </a:effectRef>
+          <a:fontRef idx="minor">
+            <a:schemeClr val="lt1"/>
+          </a:fontRef>
+        </p:style>
+        <p:txBody>
+          <a:bodyPr rtlCol="0" anchor="ctr"/>
+          <a:lstStyle/>
+          <a:p>
+            <a:pPr algn="ctr"/>
+            <a:endParaRPr lang="fr-FR"/>
+          </a:p>
+        </p:txBody>
+      </p:sp>
+      <p:pic>
+        <p:nvPicPr>
+          <p:cNvPr id="4" name="Image 3"/>
+          <p:cNvPicPr>
+            <a:picLocks noChangeAspect="1"/>
+          </p:cNvPicPr>
+          <p:nvPr/>
+        </p:nvPicPr>
+        <p:blipFill>
+          <a:blip r:embed="rId2">
+            <a:extLst>
+              <a:ext uri="{28A0092B-C50C-407E-A947-70E740481C1C}">
+                <a14:useLocalDpi xmlns:a14="http://schemas.microsoft.com/office/drawing/2010/main" val="0"/>
+              </a:ext>
+            </a:extLst>
+          </a:blip>
+          <a:stretch>
+            <a:fillRect/>
+          </a:stretch>
+        </p:blipFill>
+        <p:spPr>
+          <a:xfrm>
+            <a:off x="0" y="431321"/>
+            <a:ext cx="11995310" cy="6012611"/>
+          </a:xfrm>
+          <a:prstGeom prst="rect">
+            <a:avLst/>
+          </a:prstGeom>
+        </p:spPr>
+      </p:pic>
+      <p:sp>
+        <p:nvSpPr>
+          <p:cNvPr id="5" name="Sous-titre 2"/>
+          <p:cNvSpPr txBox="1">
+            <a:spLocks/>
+          </p:cNvSpPr>
+          <p:nvPr/>
+        </p:nvSpPr>
+        <p:spPr>
+          <a:xfrm>
+            <a:off x="2178025" y="6309550"/>
+            <a:ext cx="7766936" cy="1096899"/>
+          </a:xfrm>
+          <a:prstGeom prst="rect">
+            <a:avLst/>
+          </a:prstGeom>
+        </p:spPr>
+        <p:txBody>
+          <a:bodyPr/>
+          <a:lstStyle>
+            <a:lvl1pPr marL="342900" indent="-342900" algn="l" defTabSz="457200" rtl="0" eaLnBrk="1" latinLnBrk="0" hangingPunct="1">
+              <a:spcBef>
+                <a:spcPts val="1000"/>
+              </a:spcBef>
+              <a:spcAft>
+                <a:spcPts val="0"/>
+              </a:spcAft>
+              <a:buClr>
+                <a:schemeClr val="accent1"/>
+              </a:buClr>
+              <a:buSzPct val="80000"/>
+              <a:buFont typeface="Wingdings 3" charset="2"/>
+              <a:buChar char=""/>
+              <a:defRPr sz="1800" kern="1200">
+                <a:solidFill>
+                  <a:schemeClr val="tx1">
+                    <a:lumMod val="75000"/>
+                    <a:lumOff val="25000"/>
+                  </a:schemeClr>
+                </a:solidFill>
+                <a:latin typeface="+mn-lt"/>
+                <a:ea typeface="+mn-ea"/>
+                <a:cs typeface="+mn-cs"/>
+              </a:defRPr>
+            </a:lvl1pPr>
+            <a:lvl2pPr marL="742950" indent="-285750" algn="l" defTabSz="457200" rtl="0" eaLnBrk="1" latinLnBrk="0" hangingPunct="1">
+              <a:spcBef>
+                <a:spcPts val="1000"/>
+              </a:spcBef>
+              <a:spcAft>
+                <a:spcPts val="0"/>
+              </a:spcAft>
+              <a:buClr>
+                <a:schemeClr val="accent1"/>
+              </a:buClr>
+              <a:buSzPct val="80000"/>
+              <a:buFont typeface="Wingdings 3" charset="2"/>
+              <a:buChar char=""/>
+              <a:defRPr sz="1600" kern="1200">
+                <a:solidFill>
+                  <a:schemeClr val="tx1">
+                    <a:lumMod val="75000"/>
+                    <a:lumOff val="25000"/>
+                  </a:schemeClr>
+                </a:solidFill>
+                <a:latin typeface="+mn-lt"/>
+                <a:ea typeface="+mn-ea"/>
+                <a:cs typeface="+mn-cs"/>
+              </a:defRPr>
+            </a:lvl2pPr>
+            <a:lvl3pPr marL="1143000" indent="-228600" algn="l" defTabSz="457200" rtl="0" eaLnBrk="1" latinLnBrk="0" hangingPunct="1">
+              <a:spcBef>
+                <a:spcPts val="1000"/>
+              </a:spcBef>
+              <a:spcAft>
+                <a:spcPts val="0"/>
+              </a:spcAft>
+              <a:buClr>
+                <a:schemeClr val="accent1"/>
+              </a:buClr>
+              <a:buSzPct val="80000"/>
+              <a:buFont typeface="Wingdings 3" charset="2"/>
+              <a:buChar char=""/>
+              <a:defRPr sz="1400" kern="1200">
+                <a:solidFill>
+                  <a:schemeClr val="tx1">
+                    <a:lumMod val="75000"/>
+                    <a:lumOff val="25000"/>
+                  </a:schemeClr>
+                </a:solidFill>
+                <a:latin typeface="+mn-lt"/>
+                <a:ea typeface="+mn-ea"/>
+                <a:cs typeface="+mn-cs"/>
+              </a:defRPr>
+            </a:lvl3pPr>
+            <a:lvl4pPr marL="1600200" indent="-228600" algn="l" defTabSz="457200" rtl="0" eaLnBrk="1" latinLnBrk="0" hangingPunct="1">
+              <a:spcBef>
+                <a:spcPts val="1000"/>
+              </a:spcBef>
+              <a:spcAft>
+                <a:spcPts val="0"/>
+              </a:spcAft>
+              <a:buClr>
+                <a:schemeClr val="accent1"/>
+              </a:buClr>
+              <a:buSzPct val="80000"/>
+              <a:buFont typeface="Wingdings 3" charset="2"/>
+              <a:buChar char=""/>
+              <a:defRPr sz="1200" kern="1200">
+                <a:solidFill>
+                  <a:schemeClr val="tx1">
+                    <a:lumMod val="75000"/>
+                    <a:lumOff val="25000"/>
+                  </a:schemeClr>
+                </a:solidFill>
+                <a:latin typeface="+mn-lt"/>
+                <a:ea typeface="+mn-ea"/>
+                <a:cs typeface="+mn-cs"/>
+              </a:defRPr>
+            </a:lvl4pPr>
+            <a:lvl5pPr marL="2057400" indent="-228600" algn="l" defTabSz="457200" rtl="0" eaLnBrk="1" latinLnBrk="0" hangingPunct="1">
+              <a:spcBef>
+                <a:spcPts val="1000"/>
+              </a:spcBef>
+              <a:spcAft>
+                <a:spcPts val="0"/>
+              </a:spcAft>
+              <a:buClr>
+                <a:schemeClr val="accent1"/>
+              </a:buClr>
+              <a:buSzPct val="80000"/>
+              <a:buFont typeface="Wingdings 3" charset="2"/>
+              <a:buChar char=""/>
+              <a:defRPr sz="1200" kern="1200">
+                <a:solidFill>
+                  <a:schemeClr val="tx1">
+                    <a:lumMod val="75000"/>
+                    <a:lumOff val="25000"/>
+                  </a:schemeClr>
+                </a:solidFill>
+                <a:latin typeface="+mn-lt"/>
+                <a:ea typeface="+mn-ea"/>
+                <a:cs typeface="+mn-cs"/>
+              </a:defRPr>
+            </a:lvl5pPr>
+            <a:lvl6pPr marL="2514600" indent="-228600" algn="l" defTabSz="457200" rtl="0" eaLnBrk="1" latinLnBrk="0" hangingPunct="1">
+              <a:spcBef>
+                <a:spcPts val="1000"/>
+              </a:spcBef>
+              <a:spcAft>
+                <a:spcPts val="0"/>
+              </a:spcAft>
+              <a:buClr>
+                <a:schemeClr val="accent1"/>
+              </a:buClr>
+              <a:buSzPct val="80000"/>
+              <a:buFont typeface="Wingdings 3" charset="2"/>
+              <a:buChar char=""/>
+              <a:defRPr sz="1200" kern="1200">
+                <a:solidFill>
+                  <a:schemeClr val="tx1">
+                    <a:lumMod val="75000"/>
+                    <a:lumOff val="25000"/>
+                  </a:schemeClr>
+                </a:solidFill>
+                <a:latin typeface="+mn-lt"/>
+                <a:ea typeface="+mn-ea"/>
+                <a:cs typeface="+mn-cs"/>
+              </a:defRPr>
+            </a:lvl6pPr>
+            <a:lvl7pPr marL="2971800" indent="-228600" algn="l" defTabSz="457200" rtl="0" eaLnBrk="1" latinLnBrk="0" hangingPunct="1">
+              <a:spcBef>
+                <a:spcPts val="1000"/>
+              </a:spcBef>
+              <a:spcAft>
+                <a:spcPts val="0"/>
+              </a:spcAft>
+              <a:buClr>
+                <a:schemeClr val="accent1"/>
+              </a:buClr>
+              <a:buSzPct val="80000"/>
+              <a:buFont typeface="Wingdings 3" charset="2"/>
+              <a:buChar char=""/>
+              <a:defRPr sz="1200" kern="1200">
+                <a:solidFill>
+                  <a:schemeClr val="tx1">
+                    <a:lumMod val="75000"/>
+                    <a:lumOff val="25000"/>
+                  </a:schemeClr>
+                </a:solidFill>
+                <a:latin typeface="+mn-lt"/>
+                <a:ea typeface="+mn-ea"/>
+                <a:cs typeface="+mn-cs"/>
+              </a:defRPr>
+            </a:lvl7pPr>
+            <a:lvl8pPr marL="3429000" indent="-228600" algn="l" defTabSz="457200" rtl="0" eaLnBrk="1" latinLnBrk="0" hangingPunct="1">
+              <a:spcBef>
+                <a:spcPts val="1000"/>
+              </a:spcBef>
+              <a:spcAft>
+                <a:spcPts val="0"/>
+              </a:spcAft>
+              <a:buClr>
+                <a:schemeClr val="accent1"/>
+              </a:buClr>
+              <a:buSzPct val="80000"/>
+              <a:buFont typeface="Wingdings 3" charset="2"/>
+              <a:buChar char=""/>
+              <a:defRPr sz="1200" kern="1200">
+                <a:solidFill>
+                  <a:schemeClr val="tx1">
+                    <a:lumMod val="75000"/>
+                    <a:lumOff val="25000"/>
+                  </a:schemeClr>
+                </a:solidFill>
+                <a:latin typeface="+mn-lt"/>
+                <a:ea typeface="+mn-ea"/>
+                <a:cs typeface="+mn-cs"/>
+              </a:defRPr>
+            </a:lvl8pPr>
+            <a:lvl9pPr marL="3886200" indent="-228600" algn="l" defTabSz="457200" rtl="0" eaLnBrk="1" latinLnBrk="0" hangingPunct="1">
+              <a:spcBef>
+                <a:spcPts val="1000"/>
+              </a:spcBef>
+              <a:spcAft>
+                <a:spcPts val="0"/>
+              </a:spcAft>
+              <a:buClr>
+                <a:schemeClr val="accent1"/>
+              </a:buClr>
+              <a:buSzPct val="80000"/>
+              <a:buFont typeface="Wingdings 3" charset="2"/>
+              <a:buChar char=""/>
+              <a:defRPr sz="1200" kern="1200">
+                <a:solidFill>
+                  <a:schemeClr val="tx1">
+                    <a:lumMod val="75000"/>
+                    <a:lumOff val="25000"/>
+                  </a:schemeClr>
+                </a:solidFill>
+                <a:latin typeface="+mn-lt"/>
+                <a:ea typeface="+mn-ea"/>
+                <a:cs typeface="+mn-cs"/>
+              </a:defRPr>
+            </a:lvl9pPr>
+          </a:lstStyle>
+          <a:p>
+            <a:pPr marL="0" indent="0" algn="ctr">
+              <a:buNone/>
+            </a:pPr>
+            <a:r>
+              <a:rPr lang="fr-FR" dirty="0" smtClean="0">
+                <a:solidFill>
+                  <a:schemeClr val="bg1">
+                    <a:lumMod val="65000"/>
+                  </a:schemeClr>
+                </a:solidFill>
+              </a:rPr>
+              <a:t>David KONAM &amp; Clément PASSOT</a:t>
+            </a:r>
+            <a:endParaRPr lang="fr-FR" dirty="0">
+              <a:solidFill>
+                <a:schemeClr val="bg1">
+                  <a:lumMod val="65000"/>
+                </a:schemeClr>
+              </a:solidFill>
+            </a:endParaRPr>
+          </a:p>
+        </p:txBody>
+      </p:sp>
+      <p:sp>
+        <p:nvSpPr>
+          <p:cNvPr id="6" name="Titre 1"/>
+          <p:cNvSpPr txBox="1">
+            <a:spLocks/>
+          </p:cNvSpPr>
+          <p:nvPr/>
+        </p:nvSpPr>
+        <p:spPr>
+          <a:xfrm>
+            <a:off x="7319674" y="333555"/>
+            <a:ext cx="4558734" cy="1320800"/>
+          </a:xfrm>
+          <a:prstGeom prst="rect">
+            <a:avLst/>
+          </a:prstGeom>
+        </p:spPr>
+        <p:txBody>
+          <a:bodyPr/>
+          <a:lstStyle>
+            <a:lvl1pPr algn="l" defTabSz="457200" rtl="0" eaLnBrk="1" latinLnBrk="0" hangingPunct="1">
+              <a:spcBef>
+                <a:spcPct val="0"/>
+              </a:spcBef>
+              <a:buNone/>
+              <a:defRPr sz="3600" kern="1200">
+                <a:solidFill>
+                  <a:schemeClr val="accent1"/>
+                </a:solidFill>
+                <a:latin typeface="+mj-lt"/>
+                <a:ea typeface="+mj-ea"/>
+                <a:cs typeface="+mj-cs"/>
+              </a:defRPr>
+            </a:lvl1pPr>
+            <a:lvl2pPr eaLnBrk="1" hangingPunct="1">
+              <a:defRPr>
+                <a:solidFill>
+                  <a:schemeClr val="tx2"/>
+                </a:solidFill>
+              </a:defRPr>
+            </a:lvl2pPr>
+            <a:lvl3pPr eaLnBrk="1" hangingPunct="1">
+              <a:defRPr>
+                <a:solidFill>
+                  <a:schemeClr val="tx2"/>
+                </a:solidFill>
+              </a:defRPr>
+            </a:lvl3pPr>
+            <a:lvl4pPr eaLnBrk="1" hangingPunct="1">
+              <a:defRPr>
+                <a:solidFill>
+                  <a:schemeClr val="tx2"/>
+                </a:solidFill>
+              </a:defRPr>
+            </a:lvl4pPr>
+            <a:lvl5pPr eaLnBrk="1" hangingPunct="1">
+              <a:defRPr>
+                <a:solidFill>
+                  <a:schemeClr val="tx2"/>
+                </a:solidFill>
+              </a:defRPr>
+            </a:lvl5pPr>
+            <a:lvl6pPr eaLnBrk="1" hangingPunct="1">
+              <a:defRPr>
+                <a:solidFill>
+                  <a:schemeClr val="tx2"/>
+                </a:solidFill>
+              </a:defRPr>
+            </a:lvl6pPr>
+            <a:lvl7pPr eaLnBrk="1" hangingPunct="1">
+              <a:defRPr>
+                <a:solidFill>
+                  <a:schemeClr val="tx2"/>
+                </a:solidFill>
+              </a:defRPr>
+            </a:lvl7pPr>
+            <a:lvl8pPr eaLnBrk="1" hangingPunct="1">
+              <a:defRPr>
+                <a:solidFill>
+                  <a:schemeClr val="tx2"/>
+                </a:solidFill>
+              </a:defRPr>
+            </a:lvl8pPr>
+            <a:lvl9pPr eaLnBrk="1" hangingPunct="1">
+              <a:defRPr>
+                <a:solidFill>
+                  <a:schemeClr val="tx2"/>
+                </a:solidFill>
+              </a:defRPr>
+            </a:lvl9pPr>
+          </a:lstStyle>
+          <a:p>
+            <a:r>
+              <a:rPr lang="fr-FR" dirty="0" smtClean="0"/>
+              <a:t>UML général (1/1)</a:t>
+            </a:r>
+            <a:endParaRPr lang="fr-FR" dirty="0"/>
+          </a:p>
+        </p:txBody>
+      </p:sp>
+    </p:spTree>
+    <p:extLst>
+      <p:ext uri="{BB962C8B-B14F-4D97-AF65-F5344CB8AC3E}">
+        <p14:creationId xmlns:p14="http://schemas.microsoft.com/office/powerpoint/2010/main" val="2215031556"/>
+      </p:ext>
+    </p:extLst>
+  </p:cSld>
+  <p:clrMapOvr>
+    <a:masterClrMapping/>
+  </p:clrMapOvr>
+  <p:transition>
+    <p:cover/>
+  </p:transition>
+  <p:timing>
+    <p:tnLst>
+      <p:par>
+        <p:cTn id="1" dur="indefinite" restart="never" nodeType="tmRoot"/>
+      </p:par>
+    </p:tnLst>
+  </p:timing>
+</p:sld>
+</file>
+
+<file path=ppt/slides/slide4.xml><?xml version="1.0" encoding="utf-8"?>
 <p:sld xmlns:a="http://schemas.openxmlformats.org/drawingml/2006/main" xmlns:r="http://schemas.openxmlformats.org/officeDocument/2006/relationships" xmlns:p="http://schemas.openxmlformats.org/presentationml/2006/main">
   <p:cSld>
     <p:spTree>
@@ -6810,7 +7344,7 @@
   <p:clrMapOvr>
     <a:masterClrMapping/>
   </p:clrMapOvr>
-  <p:transition spd="slow">
+  <p:transition>
     <p:cover/>
   </p:transition>
   <p:timing>
@@ -6823,7 +7357,7 @@
 </p:sld>
 </file>
 
-<file path=ppt/slides/slide4.xml><?xml version="1.0" encoding="utf-8"?>
+<file path=ppt/slides/slide5.xml><?xml version="1.0" encoding="utf-8"?>
 <p:sld xmlns:a="http://schemas.openxmlformats.org/drawingml/2006/main" xmlns:r="http://schemas.openxmlformats.org/officeDocument/2006/relationships" xmlns:p="http://schemas.openxmlformats.org/presentationml/2006/main">
   <p:cSld>
     <p:spTree>
@@ -7291,7 +7825,7 @@
   <p:clrMapOvr>
     <a:masterClrMapping/>
   </p:clrMapOvr>
-  <p:transition spd="slow">
+  <p:transition>
     <p:cover/>
   </p:transition>
   <p:timing>
@@ -7375,7 +7909,7 @@
 </p:sld>
 </file>
 
-<file path=ppt/slides/slide5.xml><?xml version="1.0" encoding="utf-8"?>
+<file path=ppt/slides/slide6.xml><?xml version="1.0" encoding="utf-8"?>
 <p:sld xmlns:a="http://schemas.openxmlformats.org/drawingml/2006/main" xmlns:r="http://schemas.openxmlformats.org/officeDocument/2006/relationships" xmlns:p="http://schemas.openxmlformats.org/presentationml/2006/main">
   <p:cSld>
     <p:spTree>
@@ -7843,490 +8377,7 @@
   <p:clrMapOvr>
     <a:masterClrMapping/>
   </p:clrMapOvr>
-  <p:transition spd="slow">
-    <p:cover/>
-  </p:transition>
-  <p:timing>
-    <p:tnLst>
-      <p:par>
-        <p:cTn id="1" dur="indefinite" restart="never" nodeType="tmRoot"/>
-      </p:par>
-    </p:tnLst>
-  </p:timing>
-</p:sld>
-</file>
-
-<file path=ppt/slides/slide6.xml><?xml version="1.0" encoding="utf-8"?>
-<p:sld xmlns:a="http://schemas.openxmlformats.org/drawingml/2006/main" xmlns:r="http://schemas.openxmlformats.org/officeDocument/2006/relationships" xmlns:p="http://schemas.openxmlformats.org/presentationml/2006/main">
-  <p:cSld>
-    <p:spTree>
-      <p:nvGrpSpPr>
-        <p:cNvPr id="1" name=""/>
-        <p:cNvGrpSpPr/>
-        <p:nvPr/>
-      </p:nvGrpSpPr>
-      <p:grpSpPr>
-        <a:xfrm>
-          <a:off x="0" y="0"/>
-          <a:ext cx="0" cy="0"/>
-          <a:chOff x="0" y="0"/>
-          <a:chExt cx="0" cy="0"/>
-        </a:xfrm>
-      </p:grpSpPr>
-      <p:sp>
-        <p:nvSpPr>
-          <p:cNvPr id="2" name="Rectangle 1"/>
-          <p:cNvSpPr/>
-          <p:nvPr/>
-        </p:nvSpPr>
-        <p:spPr>
-          <a:xfrm>
-            <a:off x="-69012" y="0"/>
-            <a:ext cx="12261011" cy="6858000"/>
-          </a:xfrm>
-          <a:prstGeom prst="rect">
-            <a:avLst/>
-          </a:prstGeom>
-          <a:solidFill>
-            <a:schemeClr val="bg1"/>
-          </a:solidFill>
-        </p:spPr>
-        <p:style>
-          <a:lnRef idx="2">
-            <a:schemeClr val="accent1">
-              <a:shade val="50000"/>
-            </a:schemeClr>
-          </a:lnRef>
-          <a:fillRef idx="1">
-            <a:schemeClr val="accent1"/>
-          </a:fillRef>
-          <a:effectRef idx="0">
-            <a:schemeClr val="accent1"/>
-          </a:effectRef>
-          <a:fontRef idx="minor">
-            <a:schemeClr val="lt1"/>
-          </a:fontRef>
-        </p:style>
-        <p:txBody>
-          <a:bodyPr rtlCol="0" anchor="ctr"/>
-          <a:lstStyle/>
-          <a:p>
-            <a:pPr algn="ctr"/>
-            <a:endParaRPr lang="fr-FR"/>
-          </a:p>
-        </p:txBody>
-      </p:sp>
-      <p:pic>
-        <p:nvPicPr>
-          <p:cNvPr id="4" name="Image 3"/>
-          <p:cNvPicPr>
-            <a:picLocks noChangeAspect="1"/>
-          </p:cNvPicPr>
-          <p:nvPr/>
-        </p:nvPicPr>
-        <p:blipFill>
-          <a:blip r:embed="rId2">
-            <a:extLst>
-              <a:ext uri="{28A0092B-C50C-407E-A947-70E740481C1C}">
-                <a14:useLocalDpi xmlns:a14="http://schemas.microsoft.com/office/drawing/2010/main" val="0"/>
-              </a:ext>
-            </a:extLst>
-          </a:blip>
-          <a:stretch>
-            <a:fillRect/>
-          </a:stretch>
-        </p:blipFill>
-        <p:spPr>
-          <a:xfrm>
-            <a:off x="0" y="431321"/>
-            <a:ext cx="11995310" cy="6012611"/>
-          </a:xfrm>
-          <a:prstGeom prst="rect">
-            <a:avLst/>
-          </a:prstGeom>
-        </p:spPr>
-      </p:pic>
-      <p:sp>
-        <p:nvSpPr>
-          <p:cNvPr id="5" name="Sous-titre 2"/>
-          <p:cNvSpPr txBox="1">
-            <a:spLocks/>
-          </p:cNvSpPr>
-          <p:nvPr/>
-        </p:nvSpPr>
-        <p:spPr>
-          <a:xfrm>
-            <a:off x="2178025" y="6309550"/>
-            <a:ext cx="7766936" cy="1096899"/>
-          </a:xfrm>
-          <a:prstGeom prst="rect">
-            <a:avLst/>
-          </a:prstGeom>
-        </p:spPr>
-        <p:txBody>
-          <a:bodyPr/>
-          <a:lstStyle>
-            <a:lvl1pPr marL="342900" indent="-342900" algn="l" defTabSz="457200" rtl="0" eaLnBrk="1" latinLnBrk="0" hangingPunct="1">
-              <a:spcBef>
-                <a:spcPts val="1000"/>
-              </a:spcBef>
-              <a:spcAft>
-                <a:spcPts val="0"/>
-              </a:spcAft>
-              <a:buClr>
-                <a:schemeClr val="accent1"/>
-              </a:buClr>
-              <a:buSzPct val="80000"/>
-              <a:buFont typeface="Wingdings 3" charset="2"/>
-              <a:buChar char=""/>
-              <a:defRPr sz="1800" kern="1200">
-                <a:solidFill>
-                  <a:schemeClr val="tx1">
-                    <a:lumMod val="75000"/>
-                    <a:lumOff val="25000"/>
-                  </a:schemeClr>
-                </a:solidFill>
-                <a:latin typeface="+mn-lt"/>
-                <a:ea typeface="+mn-ea"/>
-                <a:cs typeface="+mn-cs"/>
-              </a:defRPr>
-            </a:lvl1pPr>
-            <a:lvl2pPr marL="742950" indent="-285750" algn="l" defTabSz="457200" rtl="0" eaLnBrk="1" latinLnBrk="0" hangingPunct="1">
-              <a:spcBef>
-                <a:spcPts val="1000"/>
-              </a:spcBef>
-              <a:spcAft>
-                <a:spcPts val="0"/>
-              </a:spcAft>
-              <a:buClr>
-                <a:schemeClr val="accent1"/>
-              </a:buClr>
-              <a:buSzPct val="80000"/>
-              <a:buFont typeface="Wingdings 3" charset="2"/>
-              <a:buChar char=""/>
-              <a:defRPr sz="1600" kern="1200">
-                <a:solidFill>
-                  <a:schemeClr val="tx1">
-                    <a:lumMod val="75000"/>
-                    <a:lumOff val="25000"/>
-                  </a:schemeClr>
-                </a:solidFill>
-                <a:latin typeface="+mn-lt"/>
-                <a:ea typeface="+mn-ea"/>
-                <a:cs typeface="+mn-cs"/>
-              </a:defRPr>
-            </a:lvl2pPr>
-            <a:lvl3pPr marL="1143000" indent="-228600" algn="l" defTabSz="457200" rtl="0" eaLnBrk="1" latinLnBrk="0" hangingPunct="1">
-              <a:spcBef>
-                <a:spcPts val="1000"/>
-              </a:spcBef>
-              <a:spcAft>
-                <a:spcPts val="0"/>
-              </a:spcAft>
-              <a:buClr>
-                <a:schemeClr val="accent1"/>
-              </a:buClr>
-              <a:buSzPct val="80000"/>
-              <a:buFont typeface="Wingdings 3" charset="2"/>
-              <a:buChar char=""/>
-              <a:defRPr sz="1400" kern="1200">
-                <a:solidFill>
-                  <a:schemeClr val="tx1">
-                    <a:lumMod val="75000"/>
-                    <a:lumOff val="25000"/>
-                  </a:schemeClr>
-                </a:solidFill>
-                <a:latin typeface="+mn-lt"/>
-                <a:ea typeface="+mn-ea"/>
-                <a:cs typeface="+mn-cs"/>
-              </a:defRPr>
-            </a:lvl3pPr>
-            <a:lvl4pPr marL="1600200" indent="-228600" algn="l" defTabSz="457200" rtl="0" eaLnBrk="1" latinLnBrk="0" hangingPunct="1">
-              <a:spcBef>
-                <a:spcPts val="1000"/>
-              </a:spcBef>
-              <a:spcAft>
-                <a:spcPts val="0"/>
-              </a:spcAft>
-              <a:buClr>
-                <a:schemeClr val="accent1"/>
-              </a:buClr>
-              <a:buSzPct val="80000"/>
-              <a:buFont typeface="Wingdings 3" charset="2"/>
-              <a:buChar char=""/>
-              <a:defRPr sz="1200" kern="1200">
-                <a:solidFill>
-                  <a:schemeClr val="tx1">
-                    <a:lumMod val="75000"/>
-                    <a:lumOff val="25000"/>
-                  </a:schemeClr>
-                </a:solidFill>
-                <a:latin typeface="+mn-lt"/>
-                <a:ea typeface="+mn-ea"/>
-                <a:cs typeface="+mn-cs"/>
-              </a:defRPr>
-            </a:lvl4pPr>
-            <a:lvl5pPr marL="2057400" indent="-228600" algn="l" defTabSz="457200" rtl="0" eaLnBrk="1" latinLnBrk="0" hangingPunct="1">
-              <a:spcBef>
-                <a:spcPts val="1000"/>
-              </a:spcBef>
-              <a:spcAft>
-                <a:spcPts val="0"/>
-              </a:spcAft>
-              <a:buClr>
-                <a:schemeClr val="accent1"/>
-              </a:buClr>
-              <a:buSzPct val="80000"/>
-              <a:buFont typeface="Wingdings 3" charset="2"/>
-              <a:buChar char=""/>
-              <a:defRPr sz="1200" kern="1200">
-                <a:solidFill>
-                  <a:schemeClr val="tx1">
-                    <a:lumMod val="75000"/>
-                    <a:lumOff val="25000"/>
-                  </a:schemeClr>
-                </a:solidFill>
-                <a:latin typeface="+mn-lt"/>
-                <a:ea typeface="+mn-ea"/>
-                <a:cs typeface="+mn-cs"/>
-              </a:defRPr>
-            </a:lvl5pPr>
-            <a:lvl6pPr marL="2514600" indent="-228600" algn="l" defTabSz="457200" rtl="0" eaLnBrk="1" latinLnBrk="0" hangingPunct="1">
-              <a:spcBef>
-                <a:spcPts val="1000"/>
-              </a:spcBef>
-              <a:spcAft>
-                <a:spcPts val="0"/>
-              </a:spcAft>
-              <a:buClr>
-                <a:schemeClr val="accent1"/>
-              </a:buClr>
-              <a:buSzPct val="80000"/>
-              <a:buFont typeface="Wingdings 3" charset="2"/>
-              <a:buChar char=""/>
-              <a:defRPr sz="1200" kern="1200">
-                <a:solidFill>
-                  <a:schemeClr val="tx1">
-                    <a:lumMod val="75000"/>
-                    <a:lumOff val="25000"/>
-                  </a:schemeClr>
-                </a:solidFill>
-                <a:latin typeface="+mn-lt"/>
-                <a:ea typeface="+mn-ea"/>
-                <a:cs typeface="+mn-cs"/>
-              </a:defRPr>
-            </a:lvl6pPr>
-            <a:lvl7pPr marL="2971800" indent="-228600" algn="l" defTabSz="457200" rtl="0" eaLnBrk="1" latinLnBrk="0" hangingPunct="1">
-              <a:spcBef>
-                <a:spcPts val="1000"/>
-              </a:spcBef>
-              <a:spcAft>
-                <a:spcPts val="0"/>
-              </a:spcAft>
-              <a:buClr>
-                <a:schemeClr val="accent1"/>
-              </a:buClr>
-              <a:buSzPct val="80000"/>
-              <a:buFont typeface="Wingdings 3" charset="2"/>
-              <a:buChar char=""/>
-              <a:defRPr sz="1200" kern="1200">
-                <a:solidFill>
-                  <a:schemeClr val="tx1">
-                    <a:lumMod val="75000"/>
-                    <a:lumOff val="25000"/>
-                  </a:schemeClr>
-                </a:solidFill>
-                <a:latin typeface="+mn-lt"/>
-                <a:ea typeface="+mn-ea"/>
-                <a:cs typeface="+mn-cs"/>
-              </a:defRPr>
-            </a:lvl7pPr>
-            <a:lvl8pPr marL="3429000" indent="-228600" algn="l" defTabSz="457200" rtl="0" eaLnBrk="1" latinLnBrk="0" hangingPunct="1">
-              <a:spcBef>
-                <a:spcPts val="1000"/>
-              </a:spcBef>
-              <a:spcAft>
-                <a:spcPts val="0"/>
-              </a:spcAft>
-              <a:buClr>
-                <a:schemeClr val="accent1"/>
-              </a:buClr>
-              <a:buSzPct val="80000"/>
-              <a:buFont typeface="Wingdings 3" charset="2"/>
-              <a:buChar char=""/>
-              <a:defRPr sz="1200" kern="1200">
-                <a:solidFill>
-                  <a:schemeClr val="tx1">
-                    <a:lumMod val="75000"/>
-                    <a:lumOff val="25000"/>
-                  </a:schemeClr>
-                </a:solidFill>
-                <a:latin typeface="+mn-lt"/>
-                <a:ea typeface="+mn-ea"/>
-                <a:cs typeface="+mn-cs"/>
-              </a:defRPr>
-            </a:lvl8pPr>
-            <a:lvl9pPr marL="3886200" indent="-228600" algn="l" defTabSz="457200" rtl="0" eaLnBrk="1" latinLnBrk="0" hangingPunct="1">
-              <a:spcBef>
-                <a:spcPts val="1000"/>
-              </a:spcBef>
-              <a:spcAft>
-                <a:spcPts val="0"/>
-              </a:spcAft>
-              <a:buClr>
-                <a:schemeClr val="accent1"/>
-              </a:buClr>
-              <a:buSzPct val="80000"/>
-              <a:buFont typeface="Wingdings 3" charset="2"/>
-              <a:buChar char=""/>
-              <a:defRPr sz="1200" kern="1200">
-                <a:solidFill>
-                  <a:schemeClr val="tx1">
-                    <a:lumMod val="75000"/>
-                    <a:lumOff val="25000"/>
-                  </a:schemeClr>
-                </a:solidFill>
-                <a:latin typeface="+mn-lt"/>
-                <a:ea typeface="+mn-ea"/>
-                <a:cs typeface="+mn-cs"/>
-              </a:defRPr>
-            </a:lvl9pPr>
-          </a:lstStyle>
-          <a:p>
-            <a:pPr marL="0" indent="0" algn="ctr">
-              <a:buNone/>
-            </a:pPr>
-            <a:r>
-              <a:rPr lang="fr-FR" dirty="0" smtClean="0">
-                <a:solidFill>
-                  <a:schemeClr val="bg1">
-                    <a:lumMod val="65000"/>
-                  </a:schemeClr>
-                </a:solidFill>
-              </a:rPr>
-              <a:t>David KONAM &amp; Clément PASSOT</a:t>
-            </a:r>
-            <a:endParaRPr lang="fr-FR" dirty="0">
-              <a:solidFill>
-                <a:schemeClr val="bg1">
-                  <a:lumMod val="65000"/>
-                </a:schemeClr>
-              </a:solidFill>
-            </a:endParaRPr>
-          </a:p>
-        </p:txBody>
-      </p:sp>
-      <p:sp>
-        <p:nvSpPr>
-          <p:cNvPr id="6" name="Titre 1"/>
-          <p:cNvSpPr txBox="1">
-            <a:spLocks/>
-          </p:cNvSpPr>
-          <p:nvPr/>
-        </p:nvSpPr>
-        <p:spPr>
-          <a:xfrm>
-            <a:off x="7319674" y="333555"/>
-            <a:ext cx="4558734" cy="1320800"/>
-          </a:xfrm>
-          <a:prstGeom prst="rect">
-            <a:avLst/>
-          </a:prstGeom>
-        </p:spPr>
-        <p:txBody>
-          <a:bodyPr/>
-          <a:lstStyle>
-            <a:lvl1pPr algn="l" defTabSz="457200" rtl="0" eaLnBrk="1" latinLnBrk="0" hangingPunct="1">
-              <a:spcBef>
-                <a:spcPct val="0"/>
-              </a:spcBef>
-              <a:buNone/>
-              <a:defRPr sz="3600" kern="1200">
-                <a:solidFill>
-                  <a:schemeClr val="accent1"/>
-                </a:solidFill>
-                <a:latin typeface="+mj-lt"/>
-                <a:ea typeface="+mj-ea"/>
-                <a:cs typeface="+mj-cs"/>
-              </a:defRPr>
-            </a:lvl1pPr>
-            <a:lvl2pPr eaLnBrk="1" hangingPunct="1">
-              <a:defRPr>
-                <a:solidFill>
-                  <a:schemeClr val="tx2"/>
-                </a:solidFill>
-              </a:defRPr>
-            </a:lvl2pPr>
-            <a:lvl3pPr eaLnBrk="1" hangingPunct="1">
-              <a:defRPr>
-                <a:solidFill>
-                  <a:schemeClr val="tx2"/>
-                </a:solidFill>
-              </a:defRPr>
-            </a:lvl3pPr>
-            <a:lvl4pPr eaLnBrk="1" hangingPunct="1">
-              <a:defRPr>
-                <a:solidFill>
-                  <a:schemeClr val="tx2"/>
-                </a:solidFill>
-              </a:defRPr>
-            </a:lvl4pPr>
-            <a:lvl5pPr eaLnBrk="1" hangingPunct="1">
-              <a:defRPr>
-                <a:solidFill>
-                  <a:schemeClr val="tx2"/>
-                </a:solidFill>
-              </a:defRPr>
-            </a:lvl5pPr>
-            <a:lvl6pPr eaLnBrk="1" hangingPunct="1">
-              <a:defRPr>
-                <a:solidFill>
-                  <a:schemeClr val="tx2"/>
-                </a:solidFill>
-              </a:defRPr>
-            </a:lvl6pPr>
-            <a:lvl7pPr eaLnBrk="1" hangingPunct="1">
-              <a:defRPr>
-                <a:solidFill>
-                  <a:schemeClr val="tx2"/>
-                </a:solidFill>
-              </a:defRPr>
-            </a:lvl7pPr>
-            <a:lvl8pPr eaLnBrk="1" hangingPunct="1">
-              <a:defRPr>
-                <a:solidFill>
-                  <a:schemeClr val="tx2"/>
-                </a:solidFill>
-              </a:defRPr>
-            </a:lvl8pPr>
-            <a:lvl9pPr eaLnBrk="1" hangingPunct="1">
-              <a:defRPr>
-                <a:solidFill>
-                  <a:schemeClr val="tx2"/>
-                </a:solidFill>
-              </a:defRPr>
-            </a:lvl9pPr>
-          </a:lstStyle>
-          <a:p>
-            <a:r>
-              <a:rPr lang="fr-FR" dirty="0" smtClean="0"/>
-              <a:t>UML général (1/1)</a:t>
-            </a:r>
-            <a:endParaRPr lang="fr-FR" dirty="0"/>
-          </a:p>
-        </p:txBody>
-      </p:sp>
-    </p:spTree>
-    <p:extLst>
-      <p:ext uri="{BB962C8B-B14F-4D97-AF65-F5344CB8AC3E}">
-        <p14:creationId xmlns:p14="http://schemas.microsoft.com/office/powerpoint/2010/main" val="2215031556"/>
-      </p:ext>
-    </p:extLst>
-  </p:cSld>
-  <p:clrMapOvr>
-    <a:masterClrMapping/>
-  </p:clrMapOvr>
-  <p:transition spd="slow">
+  <p:transition>
     <p:cover/>
   </p:transition>
   <p:timing>
@@ -8407,24 +8458,6 @@
           <a:lstStyle/>
           <a:p>
             <a:r>
-              <a:rPr lang="fr-FR" sz="2800" smtClean="0">
-                <a:solidFill>
-                  <a:srgbClr val="90C226"/>
-                </a:solidFill>
-              </a:rPr>
-              <a:t>Politique </a:t>
-            </a:r>
-            <a:r>
-              <a:rPr lang="fr-FR" sz="2800" dirty="0" smtClean="0">
-                <a:solidFill>
-                  <a:srgbClr val="90C226"/>
-                </a:solidFill>
-              </a:rPr>
-              <a:t>de mot de passe</a:t>
-            </a:r>
-          </a:p>
-          <a:p>
-            <a:r>
               <a:rPr lang="fr-FR" sz="2800" dirty="0" smtClean="0">
                 <a:solidFill>
                   <a:srgbClr val="90C226"/>
@@ -8936,7 +8969,7 @@
   <p:clrMapOvr>
     <a:masterClrMapping/>
   </p:clrMapOvr>
-  <p:transition spd="slow">
+  <p:transition>
     <p:cover/>
   </p:transition>
   <p:timing>
@@ -9270,7 +9303,7 @@
   <p:clrMapOvr>
     <a:masterClrMapping/>
   </p:clrMapOvr>
-  <p:transition spd="slow">
+  <p:transition>
     <p:cover/>
   </p:transition>
   <p:timing>
